--- a/analysis/submitted_analyses/task.pptx
+++ b/analysis/submitted_analyses/task.pptx
@@ -197,7 +197,7 @@
           <a:p>
             <a:fld id="{BFEEB201-D4B2-D046-9450-93D210B6A05B}" type="datetimeFigureOut">
               <a:rPr lang="en-US" smtClean="0"/>
-              <a:t>1/25/24</a:t>
+              <a:t>4/19/24</a:t>
             </a:fld>
             <a:endParaRPr lang="en-US"/>
           </a:p>
@@ -684,7 +684,7 @@
           <a:p>
             <a:fld id="{55EA80D3-700C-244B-88A8-F29491E93E95}" type="datetimeFigureOut">
               <a:rPr lang="en-US" smtClean="0"/>
-              <a:t>1/25/24</a:t>
+              <a:t>4/19/24</a:t>
             </a:fld>
             <a:endParaRPr lang="en-US"/>
           </a:p>
@@ -854,7 +854,7 @@
           <a:p>
             <a:fld id="{55EA80D3-700C-244B-88A8-F29491E93E95}" type="datetimeFigureOut">
               <a:rPr lang="en-US" smtClean="0"/>
-              <a:t>1/25/24</a:t>
+              <a:t>4/19/24</a:t>
             </a:fld>
             <a:endParaRPr lang="en-US"/>
           </a:p>
@@ -1034,7 +1034,7 @@
           <a:p>
             <a:fld id="{55EA80D3-700C-244B-88A8-F29491E93E95}" type="datetimeFigureOut">
               <a:rPr lang="en-US" smtClean="0"/>
-              <a:t>1/25/24</a:t>
+              <a:t>4/19/24</a:t>
             </a:fld>
             <a:endParaRPr lang="en-US"/>
           </a:p>
@@ -1204,7 +1204,7 @@
           <a:p>
             <a:fld id="{55EA80D3-700C-244B-88A8-F29491E93E95}" type="datetimeFigureOut">
               <a:rPr lang="en-US" smtClean="0"/>
-              <a:t>1/25/24</a:t>
+              <a:t>4/19/24</a:t>
             </a:fld>
             <a:endParaRPr lang="en-US"/>
           </a:p>
@@ -1450,7 +1450,7 @@
           <a:p>
             <a:fld id="{55EA80D3-700C-244B-88A8-F29491E93E95}" type="datetimeFigureOut">
               <a:rPr lang="en-US" smtClean="0"/>
-              <a:t>1/25/24</a:t>
+              <a:t>4/19/24</a:t>
             </a:fld>
             <a:endParaRPr lang="en-US"/>
           </a:p>
@@ -1682,7 +1682,7 @@
           <a:p>
             <a:fld id="{55EA80D3-700C-244B-88A8-F29491E93E95}" type="datetimeFigureOut">
               <a:rPr lang="en-US" smtClean="0"/>
-              <a:t>1/25/24</a:t>
+              <a:t>4/19/24</a:t>
             </a:fld>
             <a:endParaRPr lang="en-US"/>
           </a:p>
@@ -2049,7 +2049,7 @@
           <a:p>
             <a:fld id="{55EA80D3-700C-244B-88A8-F29491E93E95}" type="datetimeFigureOut">
               <a:rPr lang="en-US" smtClean="0"/>
-              <a:t>1/25/24</a:t>
+              <a:t>4/19/24</a:t>
             </a:fld>
             <a:endParaRPr lang="en-US"/>
           </a:p>
@@ -2167,7 +2167,7 @@
           <a:p>
             <a:fld id="{55EA80D3-700C-244B-88A8-F29491E93E95}" type="datetimeFigureOut">
               <a:rPr lang="en-US" smtClean="0"/>
-              <a:t>1/25/24</a:t>
+              <a:t>4/19/24</a:t>
             </a:fld>
             <a:endParaRPr lang="en-US"/>
           </a:p>
@@ -2262,7 +2262,7 @@
           <a:p>
             <a:fld id="{55EA80D3-700C-244B-88A8-F29491E93E95}" type="datetimeFigureOut">
               <a:rPr lang="en-US" smtClean="0"/>
-              <a:t>1/25/24</a:t>
+              <a:t>4/19/24</a:t>
             </a:fld>
             <a:endParaRPr lang="en-US"/>
           </a:p>
@@ -2539,7 +2539,7 @@
           <a:p>
             <a:fld id="{55EA80D3-700C-244B-88A8-F29491E93E95}" type="datetimeFigureOut">
               <a:rPr lang="en-US" smtClean="0"/>
-              <a:t>1/25/24</a:t>
+              <a:t>4/19/24</a:t>
             </a:fld>
             <a:endParaRPr lang="en-US"/>
           </a:p>
@@ -2796,7 +2796,7 @@
           <a:p>
             <a:fld id="{55EA80D3-700C-244B-88A8-F29491E93E95}" type="datetimeFigureOut">
               <a:rPr lang="en-US" smtClean="0"/>
-              <a:t>1/25/24</a:t>
+              <a:t>4/19/24</a:t>
             </a:fld>
             <a:endParaRPr lang="en-US"/>
           </a:p>
@@ -3009,7 +3009,7 @@
           <a:p>
             <a:fld id="{55EA80D3-700C-244B-88A8-F29491E93E95}" type="datetimeFigureOut">
               <a:rPr lang="en-US" smtClean="0"/>
-              <a:t>1/25/24</a:t>
+              <a:t>4/19/24</a:t>
             </a:fld>
             <a:endParaRPr lang="en-US"/>
           </a:p>
@@ -4964,19 +4964,19 @@
                           <a:rPr lang="en-US" sz="1680" b="0" i="1" smtClean="0">
                             <a:latin typeface="Cambria Math" panose="02040503050406030204" pitchFamily="18" charset="0"/>
                           </a:rPr>
-                          <m:t>∈[$</m:t>
+                          <m:t>∈[</m:t>
                         </m:r>
                         <m:r>
                           <a:rPr lang="en-US" sz="1680" b="0" i="1" smtClean="0">
                             <a:latin typeface="Cambria Math" panose="02040503050406030204" pitchFamily="18" charset="0"/>
                           </a:rPr>
-                          <m:t>0</m:t>
+                          <m:t>−</m:t>
                         </m:r>
                         <m:r>
                           <a:rPr lang="en-US" sz="1680" b="0" i="1" smtClean="0">
                             <a:latin typeface="Cambria Math" panose="02040503050406030204" pitchFamily="18" charset="0"/>
                           </a:rPr>
-                          <m:t>, ±$</m:t>
+                          <m:t>$</m:t>
                         </m:r>
                         <m:r>
                           <a:rPr lang="en-US" sz="1680" b="0" i="1" smtClean="0">
@@ -4988,7 +4988,7 @@
                           <a:rPr lang="en-US" sz="1680" b="0" i="1" smtClean="0">
                             <a:latin typeface="Cambria Math" panose="02040503050406030204" pitchFamily="18" charset="0"/>
                           </a:rPr>
-                          <m:t>]</m:t>
+                          <m:t>, $4]</m:t>
                         </m:r>
                       </m:oMath>
                     </m:oMathPara>
